--- a/DL/New/L4 Linear Regression.pptx
+++ b/DL/New/L4 Linear Regression.pptx
@@ -1387,7 +1387,7 @@
           <a:p>
             <a:fld id="{15746048-3FBE-43C6-826D-B0B027537D96}" type="datetimeFigureOut">
               <a:rPr lang="en-IN" smtClean="0"/>
-              <a:t>03-02-2024</a:t>
+              <a:t>28-02-2025</a:t>
             </a:fld>
             <a:endParaRPr lang="en-IN"/>
           </a:p>
@@ -1587,7 +1587,7 @@
           <a:p>
             <a:fld id="{15746048-3FBE-43C6-826D-B0B027537D96}" type="datetimeFigureOut">
               <a:rPr lang="en-IN" smtClean="0"/>
-              <a:t>03-02-2024</a:t>
+              <a:t>28-02-2025</a:t>
             </a:fld>
             <a:endParaRPr lang="en-IN"/>
           </a:p>
@@ -1797,7 +1797,7 @@
           <a:p>
             <a:fld id="{15746048-3FBE-43C6-826D-B0B027537D96}" type="datetimeFigureOut">
               <a:rPr lang="en-IN" smtClean="0"/>
-              <a:t>03-02-2024</a:t>
+              <a:t>28-02-2025</a:t>
             </a:fld>
             <a:endParaRPr lang="en-IN"/>
           </a:p>
@@ -1997,7 +1997,7 @@
           <a:p>
             <a:fld id="{15746048-3FBE-43C6-826D-B0B027537D96}" type="datetimeFigureOut">
               <a:rPr lang="en-IN" smtClean="0"/>
-              <a:t>03-02-2024</a:t>
+              <a:t>28-02-2025</a:t>
             </a:fld>
             <a:endParaRPr lang="en-IN"/>
           </a:p>
@@ -2273,7 +2273,7 @@
           <a:p>
             <a:fld id="{15746048-3FBE-43C6-826D-B0B027537D96}" type="datetimeFigureOut">
               <a:rPr lang="en-IN" smtClean="0"/>
-              <a:t>03-02-2024</a:t>
+              <a:t>28-02-2025</a:t>
             </a:fld>
             <a:endParaRPr lang="en-IN"/>
           </a:p>
@@ -2541,7 +2541,7 @@
           <a:p>
             <a:fld id="{15746048-3FBE-43C6-826D-B0B027537D96}" type="datetimeFigureOut">
               <a:rPr lang="en-IN" smtClean="0"/>
-              <a:t>03-02-2024</a:t>
+              <a:t>28-02-2025</a:t>
             </a:fld>
             <a:endParaRPr lang="en-IN"/>
           </a:p>
@@ -2956,7 +2956,7 @@
           <a:p>
             <a:fld id="{15746048-3FBE-43C6-826D-B0B027537D96}" type="datetimeFigureOut">
               <a:rPr lang="en-IN" smtClean="0"/>
-              <a:t>03-02-2024</a:t>
+              <a:t>28-02-2025</a:t>
             </a:fld>
             <a:endParaRPr lang="en-IN"/>
           </a:p>
@@ -3098,7 +3098,7 @@
           <a:p>
             <a:fld id="{15746048-3FBE-43C6-826D-B0B027537D96}" type="datetimeFigureOut">
               <a:rPr lang="en-IN" smtClean="0"/>
-              <a:t>03-02-2024</a:t>
+              <a:t>28-02-2025</a:t>
             </a:fld>
             <a:endParaRPr lang="en-IN"/>
           </a:p>
@@ -3211,7 +3211,7 @@
           <a:p>
             <a:fld id="{15746048-3FBE-43C6-826D-B0B027537D96}" type="datetimeFigureOut">
               <a:rPr lang="en-IN" smtClean="0"/>
-              <a:t>03-02-2024</a:t>
+              <a:t>28-02-2025</a:t>
             </a:fld>
             <a:endParaRPr lang="en-IN"/>
           </a:p>
@@ -3524,7 +3524,7 @@
           <a:p>
             <a:fld id="{15746048-3FBE-43C6-826D-B0B027537D96}" type="datetimeFigureOut">
               <a:rPr lang="en-IN" smtClean="0"/>
-              <a:t>03-02-2024</a:t>
+              <a:t>28-02-2025</a:t>
             </a:fld>
             <a:endParaRPr lang="en-IN"/>
           </a:p>
@@ -3813,7 +3813,7 @@
           <a:p>
             <a:fld id="{15746048-3FBE-43C6-826D-B0B027537D96}" type="datetimeFigureOut">
               <a:rPr lang="en-IN" smtClean="0"/>
-              <a:t>03-02-2024</a:t>
+              <a:t>28-02-2025</a:t>
             </a:fld>
             <a:endParaRPr lang="en-IN"/>
           </a:p>
@@ -4056,7 +4056,7 @@
           <a:p>
             <a:fld id="{15746048-3FBE-43C6-826D-B0B027537D96}" type="datetimeFigureOut">
               <a:rPr lang="en-IN" smtClean="0"/>
-              <a:t>03-02-2024</a:t>
+              <a:t>28-02-2025</a:t>
             </a:fld>
             <a:endParaRPr lang="en-IN"/>
           </a:p>
@@ -4501,31 +4501,6 @@
           </a:p>
         </p:txBody>
       </p:sp>
-      <p:sp>
-        <p:nvSpPr>
-          <p:cNvPr id="3" name="Subtitle 2">
-            <a:extLst>
-              <a:ext uri="{FF2B5EF4-FFF2-40B4-BE49-F238E27FC236}">
-                <a16:creationId xmlns:a16="http://schemas.microsoft.com/office/drawing/2014/main" id="{FE5DBD94-C11A-4BDB-861F-ED0973163813}"/>
-              </a:ext>
-            </a:extLst>
-          </p:cNvPr>
-          <p:cNvSpPr>
-            <a:spLocks noGrp="1"/>
-          </p:cNvSpPr>
-          <p:nvPr>
-            <p:ph type="subTitle" idx="1"/>
-          </p:nvPr>
-        </p:nvSpPr>
-        <p:spPr/>
-        <p:txBody>
-          <a:bodyPr/>
-          <a:lstStyle/>
-          <a:p>
-            <a:endParaRPr lang="en-IN"/>
-          </a:p>
-        </p:txBody>
-      </p:sp>
     </p:spTree>
     <p:extLst>
       <p:ext uri="{BB962C8B-B14F-4D97-AF65-F5344CB8AC3E}">
@@ -5669,25 +5644,44 @@
             </a:r>
             <a:r>
               <a:rPr lang="en-US" dirty="0"/>
-              <a:t>is used to measure how well our model fits the data,</a:t>
-            </a:r>
-          </a:p>
-          <a:p>
-            <a:r>
-              <a:rPr lang="en-US" dirty="0"/>
-              <a:t>while the </a:t>
+              <a:t>is used to measure </a:t>
+            </a:r>
+            <a:r>
+              <a:rPr lang="en-US" dirty="0">
+                <a:highlight>
+                  <a:srgbClr val="FFFF00"/>
+                </a:highlight>
+              </a:rPr>
+              <a:t>how well our model fits the data</a:t>
+            </a:r>
+          </a:p>
+          <a:p>
+            <a:r>
+              <a:rPr lang="en-US" dirty="0"/>
+              <a:t>While the </a:t>
             </a:r>
             <a:r>
               <a:rPr lang="en-US" dirty="0">
                 <a:solidFill>
                   <a:srgbClr val="00B0F0"/>
                 </a:solidFill>
+                <a:highlight>
+                  <a:srgbClr val="FFFF00"/>
+                </a:highlight>
               </a:rPr>
               <a:t>optimizer</a:t>
             </a:r>
             <a:r>
-              <a:rPr lang="en-US" dirty="0"/>
-              <a:t> decides which direction to move in order to improve this fit.</a:t>
+              <a:rPr lang="en-US" dirty="0">
+                <a:highlight>
+                  <a:srgbClr val="FFFF00"/>
+                </a:highlight>
+              </a:rPr>
+              <a:t> decides which direction to move </a:t>
+            </a:r>
+            <a:r>
+              <a:rPr lang="en-US" dirty="0"/>
+              <a:t>in order to improve this fit.</a:t>
             </a:r>
           </a:p>
           <a:p>
@@ -9827,7 +9821,19 @@
             </a:r>
             <a:r>
               <a:rPr lang="en-US" dirty="0"/>
-              <a:t> is a Dataset wrapping tensors. By defining a length and way of indexing, this also gives us a way to iterate, index, and slice along the first dimension of a tensor. This will make it easier to access both the independent and dependent variables in the same line as we train.</a:t>
+              <a:t> is a Dataset wrapping tensors. By defining a length and way of indexing, this also </a:t>
+            </a:r>
+            <a:r>
+              <a:rPr lang="en-US" dirty="0">
+                <a:highlight>
+                  <a:srgbClr val="FFFF00"/>
+                </a:highlight>
+              </a:rPr>
+              <a:t>gives us a way to iterate, index, and slice</a:t>
+            </a:r>
+            <a:r>
+              <a:rPr lang="en-US" dirty="0"/>
+              <a:t> along the first dimension of a tensor. This will make it easier to access both the independent and dependent variables in the same line as we train.</a:t>
             </a:r>
           </a:p>
           <a:p>
@@ -9864,14 +9870,30 @@
             </a:r>
             <a:r>
               <a:rPr lang="en-US" dirty="0"/>
-              <a:t> from any Dataset. </a:t>
-            </a:r>
-            <a:r>
-              <a:rPr lang="en-US" dirty="0" err="1"/>
+              <a:t> from any Dataset</a:t>
+            </a:r>
+            <a:r>
+              <a:rPr lang="en-US" dirty="0">
+                <a:highlight>
+                  <a:srgbClr val="FFFF00"/>
+                </a:highlight>
+              </a:rPr>
+              <a:t>. </a:t>
+            </a:r>
+            <a:r>
+              <a:rPr lang="en-US" dirty="0" err="1">
+                <a:highlight>
+                  <a:srgbClr val="FFFF00"/>
+                </a:highlight>
+              </a:rPr>
               <a:t>DataLoader</a:t>
             </a:r>
             <a:r>
-              <a:rPr lang="en-US" dirty="0"/>
+              <a:rPr lang="en-US" dirty="0">
+                <a:highlight>
+                  <a:srgbClr val="FFFF00"/>
+                </a:highlight>
+              </a:rPr>
               <a:t> makes it easier to iterate over batches.</a:t>
             </a:r>
           </a:p>
@@ -9991,7 +10013,19 @@
           <a:p>
             <a:r>
               <a:rPr lang="en-US" dirty="0"/>
-              <a:t>Linear regression is a linear model, a model that assumes a linear relationship between the input variables (x) and the single output variable (y). </a:t>
+              <a:t>Linear regression is a linear model, a model that </a:t>
+            </a:r>
+            <a:r>
+              <a:rPr lang="en-US" dirty="0">
+                <a:highlight>
+                  <a:srgbClr val="FFFF00"/>
+                </a:highlight>
+              </a:rPr>
+              <a:t>assumes a linear relationship </a:t>
+            </a:r>
+            <a:r>
+              <a:rPr lang="en-US" dirty="0"/>
+              <a:t>between the input variables (x) and the single output variable (y). </a:t>
             </a:r>
           </a:p>
           <a:p>
@@ -10200,39 +10234,75 @@
               <a:buNone/>
             </a:pPr>
             <a:r>
-              <a:rPr lang="en-IN" dirty="0"/>
+              <a:rPr lang="en-IN" dirty="0">
+                <a:highlight>
+                  <a:srgbClr val="FFFF00"/>
+                </a:highlight>
+              </a:rPr>
               <a:t>SGD = </a:t>
             </a:r>
             <a:r>
-              <a:rPr lang="en-IN" dirty="0" err="1"/>
+              <a:rPr lang="en-IN" dirty="0" err="1">
+                <a:highlight>
+                  <a:srgbClr val="FFFF00"/>
+                </a:highlight>
+              </a:rPr>
               <a:t>optim.SGD</a:t>
             </a:r>
             <a:r>
-              <a:rPr lang="en-IN" dirty="0"/>
+              <a:rPr lang="en-IN" dirty="0">
+                <a:highlight>
+                  <a:srgbClr val="FFFF00"/>
+                </a:highlight>
+              </a:rPr>
               <a:t>(</a:t>
             </a:r>
             <a:r>
-              <a:rPr lang="en-IN" dirty="0" err="1"/>
+              <a:rPr lang="en-IN" dirty="0" err="1">
+                <a:highlight>
+                  <a:srgbClr val="FFFF00"/>
+                </a:highlight>
+              </a:rPr>
               <a:t>model.parameters</a:t>
             </a:r>
             <a:r>
-              <a:rPr lang="en-IN" dirty="0"/>
+              <a:rPr lang="en-IN" dirty="0">
+                <a:highlight>
+                  <a:srgbClr val="FFFF00"/>
+                </a:highlight>
+              </a:rPr>
               <a:t>(), </a:t>
             </a:r>
             <a:r>
-              <a:rPr lang="en-IN" dirty="0" err="1"/>
+              <a:rPr lang="en-IN" dirty="0" err="1">
+                <a:highlight>
+                  <a:srgbClr val="FFFF00"/>
+                </a:highlight>
+              </a:rPr>
               <a:t>lr</a:t>
             </a:r>
             <a:r>
-              <a:rPr lang="en-IN" dirty="0"/>
+              <a:rPr lang="en-IN" dirty="0">
+                <a:highlight>
+                  <a:srgbClr val="FFFF00"/>
+                </a:highlight>
+              </a:rPr>
               <a:t>=</a:t>
             </a:r>
             <a:r>
-              <a:rPr lang="en-IN" dirty="0" err="1"/>
+              <a:rPr lang="en-IN" dirty="0" err="1">
+                <a:highlight>
+                  <a:srgbClr val="FFFF00"/>
+                </a:highlight>
+              </a:rPr>
               <a:t>learning_rate</a:t>
             </a:r>
             <a:r>
-              <a:rPr lang="en-IN" dirty="0"/>
+              <a:rPr lang="en-IN" dirty="0">
+                <a:highlight>
+                  <a:srgbClr val="FFFF00"/>
+                </a:highlight>
+              </a:rPr>
               <a:t>)</a:t>
             </a:r>
           </a:p>
@@ -10357,7 +10427,11 @@
               <a:buNone/>
             </a:pPr>
             <a:r>
-              <a:rPr lang="en-US" dirty="0"/>
+              <a:rPr lang="en-US" dirty="0">
+                <a:highlight>
+                  <a:srgbClr val="FFFF00"/>
+                </a:highlight>
+              </a:rPr>
               <a:t>1. Prepare the Data</a:t>
             </a:r>
           </a:p>
@@ -10366,7 +10440,11 @@
               <a:buNone/>
             </a:pPr>
             <a:r>
-              <a:rPr lang="en-US" dirty="0"/>
+              <a:rPr lang="en-US" dirty="0">
+                <a:highlight>
+                  <a:srgbClr val="FFFF00"/>
+                </a:highlight>
+              </a:rPr>
               <a:t>2. Define the Model</a:t>
             </a:r>
           </a:p>
@@ -10375,7 +10453,11 @@
               <a:buNone/>
             </a:pPr>
             <a:r>
-              <a:rPr lang="en-US" dirty="0"/>
+              <a:rPr lang="en-US" dirty="0">
+                <a:highlight>
+                  <a:srgbClr val="FFFF00"/>
+                </a:highlight>
+              </a:rPr>
               <a:t>3. Train the Model</a:t>
             </a:r>
           </a:p>
@@ -10384,7 +10466,11 @@
               <a:buNone/>
             </a:pPr>
             <a:r>
-              <a:rPr lang="en-US" dirty="0"/>
+              <a:rPr lang="en-US" dirty="0">
+                <a:highlight>
+                  <a:srgbClr val="FFFF00"/>
+                </a:highlight>
+              </a:rPr>
               <a:t>4. Evaluate the Model</a:t>
             </a:r>
           </a:p>
@@ -10393,10 +10479,18 @@
               <a:buNone/>
             </a:pPr>
             <a:r>
-              <a:rPr lang="en-US" dirty="0"/>
+              <a:rPr lang="en-US" dirty="0">
+                <a:highlight>
+                  <a:srgbClr val="FFFF00"/>
+                </a:highlight>
+              </a:rPr>
               <a:t>5. Make Predictions</a:t>
             </a:r>
-            <a:endParaRPr lang="en-IN" dirty="0"/>
+            <a:endParaRPr lang="en-IN" dirty="0">
+              <a:highlight>
+                <a:srgbClr val="FFFF00"/>
+              </a:highlight>
+            </a:endParaRPr>
           </a:p>
         </p:txBody>
       </p:sp>
@@ -10547,6 +10641,9 @@
                 <a:solidFill>
                   <a:srgbClr val="00B0F0"/>
                 </a:solidFill>
+                <a:highlight>
+                  <a:srgbClr val="FFFF00"/>
+                </a:highlight>
               </a:rPr>
               <a:t>__</a:t>
             </a:r>
@@ -10555,6 +10652,9 @@
                 <a:solidFill>
                   <a:srgbClr val="00B0F0"/>
                 </a:solidFill>
+                <a:highlight>
+                  <a:srgbClr val="FFFF00"/>
+                </a:highlight>
               </a:rPr>
               <a:t>len</a:t>
             </a:r>
@@ -10563,11 +10663,18 @@
                 <a:solidFill>
                   <a:srgbClr val="00B0F0"/>
                 </a:solidFill>
+                <a:highlight>
+                  <a:srgbClr val="FFFF00"/>
+                </a:highlight>
               </a:rPr>
               <a:t>__() function </a:t>
             </a:r>
             <a:r>
-              <a:rPr lang="en-US" dirty="0"/>
+              <a:rPr lang="en-US" dirty="0">
+                <a:highlight>
+                  <a:srgbClr val="FFFF00"/>
+                </a:highlight>
+              </a:rPr>
               <a:t>that can be used to get the length of the dataset (number of rows or samples), and </a:t>
             </a:r>
           </a:p>
@@ -10577,6 +10684,9 @@
                 <a:solidFill>
                   <a:srgbClr val="00B0F0"/>
                 </a:solidFill>
+                <a:highlight>
+                  <a:srgbClr val="FFFF00"/>
+                </a:highlight>
               </a:rPr>
               <a:t>__</a:t>
             </a:r>
@@ -10585,6 +10695,9 @@
                 <a:solidFill>
                   <a:srgbClr val="00B0F0"/>
                 </a:solidFill>
+                <a:highlight>
+                  <a:srgbClr val="FFFF00"/>
+                </a:highlight>
               </a:rPr>
               <a:t>getitem</a:t>
             </a:r>
@@ -10593,11 +10706,18 @@
                 <a:solidFill>
                   <a:srgbClr val="00B0F0"/>
                 </a:solidFill>
+                <a:highlight>
+                  <a:srgbClr val="FFFF00"/>
+                </a:highlight>
               </a:rPr>
               <a:t>__() </a:t>
             </a:r>
             <a:r>
-              <a:rPr lang="en-US" dirty="0"/>
+              <a:rPr lang="en-US" dirty="0">
+                <a:highlight>
+                  <a:srgbClr val="FFFF00"/>
+                </a:highlight>
+              </a:rPr>
               <a:t>function that is used to get a specific sample by index.</a:t>
             </a:r>
           </a:p>
@@ -12172,7 +12292,19 @@
             </a:r>
             <a:r>
               <a:rPr lang="en-US" dirty="0"/>
-              <a:t> class to navigate a Dataset instance during the training and evaluation of our model.</a:t>
+              <a:t> class to navigate a </a:t>
+            </a:r>
+            <a:r>
+              <a:rPr lang="en-US" dirty="0">
+                <a:highlight>
+                  <a:srgbClr val="FFFF00"/>
+                </a:highlight>
+              </a:rPr>
+              <a:t>Dataset instance during the training and evaluation of our model</a:t>
+            </a:r>
+            <a:r>
+              <a:rPr lang="en-US" dirty="0"/>
+              <a:t>.</a:t>
             </a:r>
           </a:p>
           <a:p>
@@ -12220,7 +12352,19 @@
             </a:r>
             <a:r>
               <a:rPr lang="en-US" dirty="0"/>
-              <a:t>, along with the batch size and whether the data should be shuffled every epoch.</a:t>
+              <a:t>, </a:t>
+            </a:r>
+            <a:r>
+              <a:rPr lang="en-US" dirty="0">
+                <a:highlight>
+                  <a:srgbClr val="FFFF00"/>
+                </a:highlight>
+              </a:rPr>
+              <a:t>along with the batch size and whether the data should be shuffled every epoch</a:t>
+            </a:r>
+            <a:r>
+              <a:rPr lang="en-US" dirty="0"/>
+              <a:t>.</a:t>
             </a:r>
           </a:p>
           <a:p>
@@ -13032,6 +13176,9 @@
             <a:r>
               <a:rPr lang="en-US" sz="2400" b="1" i="0" dirty="0">
                 <a:effectLst/>
+                <a:highlight>
+                  <a:srgbClr val="FFFF00"/>
+                </a:highlight>
                 <a:latin typeface="Times New Roman" panose="02020603050405020304" pitchFamily="18" charset="0"/>
                 <a:ea typeface="Tahoma" panose="020B0604030504040204" pitchFamily="34" charset="0"/>
                 <a:cs typeface="Times New Roman" panose="02020603050405020304" pitchFamily="18" charset="0"/>
@@ -13040,6 +13187,9 @@
             </a:r>
             <a:endParaRPr lang="en-US" sz="2400" b="0" i="0" dirty="0">
               <a:effectLst/>
+              <a:highlight>
+                <a:srgbClr val="FFFF00"/>
+              </a:highlight>
               <a:latin typeface="Times New Roman" panose="02020603050405020304" pitchFamily="18" charset="0"/>
               <a:ea typeface="Tahoma" panose="020B0604030504040204" pitchFamily="34" charset="0"/>
               <a:cs typeface="Times New Roman" panose="02020603050405020304" pitchFamily="18" charset="0"/>
@@ -13259,19 +13409,55 @@
             </a:r>
             <a:r>
               <a:rPr lang="en-US" dirty="0"/>
-              <a:t> involves defining a class that extends the Module class.</a:t>
-            </a:r>
-          </a:p>
-          <a:p>
-            <a:r>
-              <a:rPr lang="en-US" dirty="0"/>
-              <a:t>The constructor of our class defines the layers of the model and </a:t>
-            </a:r>
-          </a:p>
-          <a:p>
-            <a:r>
-              <a:rPr lang="en-US" dirty="0"/>
-              <a:t>the forward() function is the override that defines how to forward propagate input through the defined layers of the model.</a:t>
+              <a:t> involves defining a class that </a:t>
+            </a:r>
+            <a:r>
+              <a:rPr lang="en-US" dirty="0">
+                <a:highlight>
+                  <a:srgbClr val="FFFF00"/>
+                </a:highlight>
+              </a:rPr>
+              <a:t>extends the Module </a:t>
+            </a:r>
+            <a:r>
+              <a:rPr lang="en-US" dirty="0"/>
+              <a:t>class.</a:t>
+            </a:r>
+          </a:p>
+          <a:p>
+            <a:r>
+              <a:rPr lang="en-US" dirty="0"/>
+              <a:t>The </a:t>
+            </a:r>
+            <a:r>
+              <a:rPr lang="en-US" dirty="0">
+                <a:highlight>
+                  <a:srgbClr val="FFFF00"/>
+                </a:highlight>
+              </a:rPr>
+              <a:t>constructor of our class defines the layers </a:t>
+            </a:r>
+            <a:r>
+              <a:rPr lang="en-US" dirty="0"/>
+              <a:t>of the model and </a:t>
+            </a:r>
+          </a:p>
+          <a:p>
+            <a:r>
+              <a:rPr lang="en-US" dirty="0"/>
+              <a:t>the </a:t>
+            </a:r>
+            <a:r>
+              <a:rPr lang="en-US" dirty="0">
+                <a:highlight>
+                  <a:srgbClr val="FFFF00"/>
+                </a:highlight>
+              </a:rPr>
+              <a:t>forward() function is the override </a:t>
+            </a:r>
+            <a:r>
+              <a:rPr lang="en-US" dirty="0"/>
+              <a:t>that defines how to forward propagate input through the defined layers of the model.</a:t>
             </a:r>
           </a:p>
           <a:p>
@@ -13643,15 +13829,35 @@
           <a:p>
             <a:r>
               <a:rPr lang="en-US" sz="2000" dirty="0"/>
-              <a:t>This is needed to initialize the </a:t>
-            </a:r>
-            <a:r>
-              <a:rPr lang="en-US" sz="2000" dirty="0" err="1"/>
+              <a:t>This is </a:t>
+            </a:r>
+            <a:r>
+              <a:rPr lang="en-US" sz="2000" dirty="0">
+                <a:highlight>
+                  <a:srgbClr val="FFFF00"/>
+                </a:highlight>
+              </a:rPr>
+              <a:t>needed to initialize the </a:t>
+            </a:r>
+            <a:r>
+              <a:rPr lang="en-US" sz="2000" dirty="0" err="1">
+                <a:highlight>
+                  <a:srgbClr val="FFFF00"/>
+                </a:highlight>
+              </a:rPr>
               <a:t>nn.Module</a:t>
             </a:r>
             <a:r>
+              <a:rPr lang="en-US" sz="2000" dirty="0">
+                <a:highlight>
+                  <a:srgbClr val="FFFF00"/>
+                </a:highlight>
+              </a:rPr>
+              <a:t> </a:t>
+            </a:r>
+            <a:r>
               <a:rPr lang="en-US" sz="2000" dirty="0"/>
-              <a:t> in a proper manner</a:t>
+              <a:t>in a proper manner</a:t>
             </a:r>
           </a:p>
           <a:p>
@@ -13787,34 +13993,62 @@
           <a:p>
             <a:pPr lvl="1"/>
             <a:r>
-              <a:rPr lang="en-US" dirty="0" err="1"/>
+              <a:rPr lang="en-US" dirty="0" err="1">
+                <a:highlight>
+                  <a:srgbClr val="FFFF00"/>
+                </a:highlight>
+              </a:rPr>
               <a:t>BCELoss</a:t>
             </a:r>
             <a:r>
-              <a:rPr lang="en-US" dirty="0"/>
+              <a:rPr lang="en-US" dirty="0">
+                <a:highlight>
+                  <a:srgbClr val="FFFF00"/>
+                </a:highlight>
+              </a:rPr>
               <a:t>: Binary cross-entropy loss for binary classification.</a:t>
             </a:r>
           </a:p>
           <a:p>
             <a:pPr lvl="1"/>
             <a:r>
-              <a:rPr lang="en-US" dirty="0" err="1"/>
+              <a:rPr lang="en-US" dirty="0" err="1">
+                <a:highlight>
+                  <a:srgbClr val="FFFF00"/>
+                </a:highlight>
+              </a:rPr>
               <a:t>CrossEntropyLoss</a:t>
             </a:r>
             <a:r>
-              <a:rPr lang="en-US" dirty="0"/>
+              <a:rPr lang="en-US" dirty="0">
+                <a:highlight>
+                  <a:srgbClr val="FFFF00"/>
+                </a:highlight>
+              </a:rPr>
               <a:t>: Categorical cross-entropy loss for multi-class classification.</a:t>
             </a:r>
           </a:p>
           <a:p>
             <a:pPr lvl="1"/>
             <a:r>
-              <a:rPr lang="en-US" dirty="0" err="1"/>
+              <a:rPr lang="en-US" dirty="0" err="1">
+                <a:highlight>
+                  <a:srgbClr val="FFFF00"/>
+                </a:highlight>
+              </a:rPr>
               <a:t>MSELoss</a:t>
             </a:r>
             <a:r>
-              <a:rPr lang="en-US" dirty="0"/>
-              <a:t>: Mean squared loss for regression.</a:t>
+              <a:rPr lang="en-US" dirty="0">
+                <a:highlight>
+                  <a:srgbClr val="FFFF00"/>
+                </a:highlight>
+              </a:rPr>
+              <a:t>: Mean squared loss for regression</a:t>
+            </a:r>
+            <a:r>
+              <a:rPr lang="en-US" dirty="0"/>
+              <a:t>.</a:t>
             </a:r>
           </a:p>
           <a:p>
